--- a/task/lesson4/通过案例学javascript编程4.pptx
+++ b/task/lesson4/通过案例学javascript编程4.pptx
@@ -2779,7 +2779,7 @@
         <a:spcBef>
           <a:spcPts val="1000"/>
         </a:spcBef>
-        <a:buFont typeface="Arial" pitchFamily="34" charset="0"/>
+        <a:buFont typeface="Arial" panose="020B0604020202020204" pitchFamily="34" charset="0"/>
         <a:buChar char="•"/>
         <a:defRPr sz="2800" kern="1200">
           <a:solidFill>
@@ -2797,7 +2797,7 @@
         <a:spcBef>
           <a:spcPts val="500"/>
         </a:spcBef>
-        <a:buFont typeface="Arial" pitchFamily="34" charset="0"/>
+        <a:buFont typeface="Arial" panose="020B0604020202020204" pitchFamily="34" charset="0"/>
         <a:buChar char="•"/>
         <a:defRPr sz="2400" kern="1200">
           <a:solidFill>
@@ -2815,7 +2815,7 @@
         <a:spcBef>
           <a:spcPts val="500"/>
         </a:spcBef>
-        <a:buFont typeface="Arial" pitchFamily="34" charset="0"/>
+        <a:buFont typeface="Arial" panose="020B0604020202020204" pitchFamily="34" charset="0"/>
         <a:buChar char="•"/>
         <a:defRPr sz="2000" kern="1200">
           <a:solidFill>
@@ -2833,7 +2833,7 @@
         <a:spcBef>
           <a:spcPts val="500"/>
         </a:spcBef>
-        <a:buFont typeface="Arial" pitchFamily="34" charset="0"/>
+        <a:buFont typeface="Arial" panose="020B0604020202020204" pitchFamily="34" charset="0"/>
         <a:buChar char="•"/>
         <a:defRPr sz="1800" kern="1200">
           <a:solidFill>
@@ -2851,7 +2851,7 @@
         <a:spcBef>
           <a:spcPts val="500"/>
         </a:spcBef>
-        <a:buFont typeface="Arial" pitchFamily="34" charset="0"/>
+        <a:buFont typeface="Arial" panose="020B0604020202020204" pitchFamily="34" charset="0"/>
         <a:buChar char="•"/>
         <a:defRPr sz="1800" kern="1200">
           <a:solidFill>
@@ -2869,7 +2869,7 @@
         <a:spcBef>
           <a:spcPts val="500"/>
         </a:spcBef>
-        <a:buFont typeface="Arial" pitchFamily="34" charset="0"/>
+        <a:buFont typeface="Arial" panose="020B0604020202020204" pitchFamily="34" charset="0"/>
         <a:buChar char="•"/>
         <a:defRPr sz="1800" kern="1200">
           <a:solidFill>
@@ -2887,7 +2887,7 @@
         <a:spcBef>
           <a:spcPts val="500"/>
         </a:spcBef>
-        <a:buFont typeface="Arial" pitchFamily="34" charset="0"/>
+        <a:buFont typeface="Arial" panose="020B0604020202020204" pitchFamily="34" charset="0"/>
         <a:buChar char="•"/>
         <a:defRPr sz="1800" kern="1200">
           <a:solidFill>
@@ -2905,7 +2905,7 @@
         <a:spcBef>
           <a:spcPts val="500"/>
         </a:spcBef>
-        <a:buFont typeface="Arial" pitchFamily="34" charset="0"/>
+        <a:buFont typeface="Arial" panose="020B0604020202020204" pitchFamily="34" charset="0"/>
         <a:buChar char="•"/>
         <a:defRPr sz="1800" kern="1200">
           <a:solidFill>
@@ -2923,7 +2923,7 @@
         <a:spcBef>
           <a:spcPts val="500"/>
         </a:spcBef>
-        <a:buFont typeface="Arial" pitchFamily="34" charset="0"/>
+        <a:buFont typeface="Arial" panose="020B0604020202020204" pitchFamily="34" charset="0"/>
         <a:buChar char="•"/>
         <a:defRPr sz="1800" kern="1200">
           <a:solidFill>
@@ -3060,21 +3060,21 @@
           <a:p>
             <a:r>
               <a:rPr lang="zh-CN" altLang="en-US">
-                <a:latin typeface="微软雅黑" charset="-122"/>
-                <a:ea typeface="微软雅黑" charset="-122"/>
+                <a:latin typeface="微软雅黑" panose="020B0503020204020204" charset="-122"/>
+                <a:ea typeface="微软雅黑" panose="020B0503020204020204" charset="-122"/>
               </a:rPr>
               <a:t>通过案例学</a:t>
             </a:r>
             <a:r>
               <a:rPr lang="en-US" altLang="zh-CN">
-                <a:latin typeface="微软雅黑" charset="-122"/>
-                <a:ea typeface="微软雅黑" charset="-122"/>
+                <a:latin typeface="微软雅黑" panose="020B0503020204020204" charset="-122"/>
+                <a:ea typeface="微软雅黑" panose="020B0503020204020204" charset="-122"/>
               </a:rPr>
               <a:t>JS</a:t>
             </a:r>
             <a:endParaRPr lang="en-US" altLang="zh-CN">
-              <a:latin typeface="微软雅黑" charset="-122"/>
-              <a:ea typeface="微软雅黑" charset="-122"/>
+              <a:latin typeface="微软雅黑" panose="020B0503020204020204" charset="-122"/>
+              <a:ea typeface="微软雅黑" panose="020B0503020204020204" charset="-122"/>
             </a:endParaRPr>
           </a:p>
         </p:txBody>
@@ -3095,49 +3095,49 @@
           <a:p>
             <a:r>
               <a:rPr lang="en-US" altLang="zh-CN">
-                <a:latin typeface="微软雅黑" charset="-122"/>
-                <a:ea typeface="微软雅黑" charset="-122"/>
+                <a:latin typeface="微软雅黑" panose="020B0503020204020204" charset="-122"/>
+                <a:ea typeface="微软雅黑" panose="020B0503020204020204" charset="-122"/>
               </a:rPr>
               <a:t>——</a:t>
             </a:r>
             <a:r>
               <a:rPr lang="zh-CN" altLang="en-US">
-                <a:latin typeface="微软雅黑" charset="-122"/>
-                <a:ea typeface="微软雅黑" charset="-122"/>
+                <a:latin typeface="微软雅黑" panose="020B0503020204020204" charset="-122"/>
+                <a:ea typeface="微软雅黑" panose="020B0503020204020204" charset="-122"/>
               </a:rPr>
               <a:t>实例</a:t>
             </a:r>
             <a:r>
               <a:rPr lang="en-US" altLang="zh-CN">
-                <a:latin typeface="微软雅黑" charset="-122"/>
-                <a:ea typeface="微软雅黑" charset="-122"/>
+                <a:latin typeface="微软雅黑" panose="020B0503020204020204" charset="-122"/>
+                <a:ea typeface="微软雅黑" panose="020B0503020204020204" charset="-122"/>
               </a:rPr>
               <a:t>3</a:t>
             </a:r>
             <a:r>
               <a:rPr lang="zh-CN" altLang="en-US">
-                <a:latin typeface="微软雅黑" charset="-122"/>
-                <a:ea typeface="微软雅黑" charset="-122"/>
+                <a:latin typeface="微软雅黑" panose="020B0503020204020204" charset="-122"/>
+                <a:ea typeface="微软雅黑" panose="020B0503020204020204" charset="-122"/>
               </a:rPr>
               <a:t>：通过</a:t>
             </a:r>
             <a:r>
               <a:rPr lang="en-US" altLang="zh-CN">
-                <a:latin typeface="微软雅黑" charset="-122"/>
-                <a:ea typeface="微软雅黑" charset="-122"/>
+                <a:latin typeface="微软雅黑" panose="020B0503020204020204" charset="-122"/>
+                <a:ea typeface="微软雅黑" panose="020B0503020204020204" charset="-122"/>
               </a:rPr>
               <a:t>JS</a:t>
             </a:r>
             <a:r>
               <a:rPr lang="zh-CN" altLang="en-US">
-                <a:latin typeface="微软雅黑" charset="-122"/>
-                <a:ea typeface="微软雅黑" charset="-122"/>
+                <a:latin typeface="微软雅黑" panose="020B0503020204020204" charset="-122"/>
+                <a:ea typeface="微软雅黑" panose="020B0503020204020204" charset="-122"/>
               </a:rPr>
               <a:t>来控制视频播放</a:t>
             </a:r>
             <a:endParaRPr lang="en-US" altLang="zh-CN">
-              <a:latin typeface="微软雅黑" charset="-122"/>
-              <a:ea typeface="微软雅黑" charset="-122"/>
+              <a:latin typeface="微软雅黑" panose="020B0503020204020204" charset="-122"/>
+              <a:ea typeface="微软雅黑" panose="020B0503020204020204" charset="-122"/>
             </a:endParaRPr>
           </a:p>
         </p:txBody>
@@ -3181,28 +3181,28 @@
           <a:p>
             <a:r>
               <a:rPr lang="zh-CN" altLang="en-US">
-                <a:latin typeface="微软雅黑" charset="-122"/>
-                <a:ea typeface="微软雅黑" charset="-122"/>
+                <a:latin typeface="微软雅黑" panose="020B0503020204020204" charset="-122"/>
+                <a:ea typeface="微软雅黑" panose="020B0503020204020204" charset="-122"/>
               </a:rPr>
               <a:t>目标任务：通过</a:t>
             </a:r>
             <a:r>
               <a:rPr lang="en-US" altLang="zh-CN">
-                <a:latin typeface="微软雅黑" charset="-122"/>
-                <a:ea typeface="微软雅黑" charset="-122"/>
+                <a:latin typeface="微软雅黑" panose="020B0503020204020204" charset="-122"/>
+                <a:ea typeface="微软雅黑" panose="020B0503020204020204" charset="-122"/>
               </a:rPr>
               <a:t>js</a:t>
             </a:r>
             <a:r>
               <a:rPr lang="zh-CN" altLang="en-US">
-                <a:latin typeface="微软雅黑" charset="-122"/>
-                <a:ea typeface="微软雅黑" charset="-122"/>
+                <a:latin typeface="微软雅黑" panose="020B0503020204020204" charset="-122"/>
+                <a:ea typeface="微软雅黑" panose="020B0503020204020204" charset="-122"/>
               </a:rPr>
               <a:t>控制视频播放</a:t>
             </a:r>
             <a:endParaRPr lang="zh-CN" altLang="en-US">
-              <a:latin typeface="微软雅黑" charset="-122"/>
-              <a:ea typeface="微软雅黑" charset="-122"/>
+              <a:latin typeface="微软雅黑" panose="020B0503020204020204" charset="-122"/>
+              <a:ea typeface="微软雅黑" panose="020B0503020204020204" charset="-122"/>
             </a:endParaRPr>
           </a:p>
         </p:txBody>
@@ -3379,14 +3379,14 @@
           <a:p>
             <a:r>
               <a:rPr lang="zh-CN" altLang="en-US">
-                <a:latin typeface="微软雅黑" charset="-122"/>
-                <a:ea typeface="微软雅黑" charset="-122"/>
+                <a:latin typeface="微软雅黑" panose="020B0503020204020204" charset="-122"/>
+                <a:ea typeface="微软雅黑" panose="020B0503020204020204" charset="-122"/>
               </a:rPr>
               <a:t>实现思路</a:t>
             </a:r>
             <a:endParaRPr lang="zh-CN" altLang="en-US">
-              <a:latin typeface="微软雅黑" charset="-122"/>
-              <a:ea typeface="微软雅黑" charset="-122"/>
+              <a:latin typeface="微软雅黑" panose="020B0503020204020204" charset="-122"/>
+              <a:ea typeface="微软雅黑" panose="020B0503020204020204" charset="-122"/>
             </a:endParaRPr>
           </a:p>
         </p:txBody>
@@ -3407,33 +3407,33 @@
           <a:p>
             <a:r>
               <a:rPr lang="zh-CN" altLang="en-US">
-                <a:latin typeface="微软雅黑" charset="-122"/>
-                <a:ea typeface="微软雅黑" charset="-122"/>
+                <a:latin typeface="微软雅黑" panose="020B0503020204020204" charset="-122"/>
+                <a:ea typeface="微软雅黑" panose="020B0503020204020204" charset="-122"/>
               </a:rPr>
               <a:t>查找视频</a:t>
             </a:r>
             <a:endParaRPr lang="zh-CN" altLang="en-US">
-              <a:latin typeface="微软雅黑" charset="-122"/>
-              <a:ea typeface="微软雅黑" charset="-122"/>
+              <a:latin typeface="微软雅黑" panose="020B0503020204020204" charset="-122"/>
+              <a:ea typeface="微软雅黑" panose="020B0503020204020204" charset="-122"/>
             </a:endParaRPr>
           </a:p>
           <a:p>
             <a:r>
               <a:rPr lang="zh-CN" altLang="en-US">
-                <a:latin typeface="微软雅黑" charset="-122"/>
-                <a:ea typeface="微软雅黑" charset="-122"/>
+                <a:latin typeface="微软雅黑" panose="020B0503020204020204" charset="-122"/>
+                <a:ea typeface="微软雅黑" panose="020B0503020204020204" charset="-122"/>
               </a:rPr>
               <a:t>调用视频的本身的属性和方法</a:t>
             </a:r>
             <a:endParaRPr lang="zh-CN" altLang="en-US">
-              <a:latin typeface="微软雅黑" charset="-122"/>
-              <a:ea typeface="微软雅黑" charset="-122"/>
+              <a:latin typeface="微软雅黑" panose="020B0503020204020204" charset="-122"/>
+              <a:ea typeface="微软雅黑" panose="020B0503020204020204" charset="-122"/>
             </a:endParaRPr>
           </a:p>
           <a:p>
             <a:endParaRPr lang="zh-CN" altLang="en-US">
-              <a:latin typeface="微软雅黑" charset="-122"/>
-              <a:ea typeface="微软雅黑" charset="-122"/>
+              <a:latin typeface="微软雅黑" panose="020B0503020204020204" charset="-122"/>
+              <a:ea typeface="微软雅黑" panose="020B0503020204020204" charset="-122"/>
             </a:endParaRPr>
           </a:p>
         </p:txBody>
@@ -3472,31 +3472,31 @@
           <a:p>
             <a:r>
               <a:rPr lang="zh-CN" altLang="en-US">
-                <a:latin typeface="微软雅黑" charset="-122"/>
-                <a:ea typeface="微软雅黑" charset="-122"/>
+                <a:latin typeface="微软雅黑" panose="020B0503020204020204" charset="-122"/>
+                <a:ea typeface="微软雅黑" panose="020B0503020204020204" charset="-122"/>
                 <a:sym typeface="+mn-ea"/>
               </a:rPr>
               <a:t>基础知识点：获取</a:t>
             </a:r>
             <a:r>
               <a:rPr lang="en-US" altLang="zh-CN">
-                <a:latin typeface="微软雅黑" charset="-122"/>
-                <a:ea typeface="微软雅黑" charset="-122"/>
+                <a:latin typeface="微软雅黑" panose="020B0503020204020204" charset="-122"/>
+                <a:ea typeface="微软雅黑" panose="020B0503020204020204" charset="-122"/>
                 <a:sym typeface="+mn-ea"/>
               </a:rPr>
               <a:t>video</a:t>
             </a:r>
             <a:r>
               <a:rPr lang="zh-CN" altLang="en-US">
-                <a:latin typeface="微软雅黑" charset="-122"/>
-                <a:ea typeface="微软雅黑" charset="-122"/>
+                <a:latin typeface="微软雅黑" panose="020B0503020204020204" charset="-122"/>
+                <a:ea typeface="微软雅黑" panose="020B0503020204020204" charset="-122"/>
                 <a:sym typeface="+mn-ea"/>
               </a:rPr>
               <a:t>对象</a:t>
             </a:r>
             <a:endParaRPr lang="zh-CN" altLang="en-US">
-              <a:latin typeface="微软雅黑" charset="-122"/>
-              <a:ea typeface="微软雅黑" charset="-122"/>
+              <a:latin typeface="微软雅黑" panose="020B0503020204020204" charset="-122"/>
+              <a:ea typeface="微软雅黑" panose="020B0503020204020204" charset="-122"/>
               <a:sym typeface="+mn-ea"/>
             </a:endParaRPr>
           </a:p>
@@ -3521,21 +3521,21 @@
                 <a:solidFill>
                   <a:srgbClr val="FF0000"/>
                 </a:solidFill>
-                <a:latin typeface="微软雅黑" charset="-122"/>
-                <a:ea typeface="微软雅黑" charset="-122"/>
+                <a:latin typeface="微软雅黑" panose="020B0503020204020204" charset="-122"/>
+                <a:ea typeface="微软雅黑" panose="020B0503020204020204" charset="-122"/>
               </a:rPr>
               <a:t>document</a:t>
             </a:r>
             <a:r>
               <a:rPr lang="en-US" altLang="zh-CN">
-                <a:latin typeface="微软雅黑" charset="-122"/>
-                <a:ea typeface="微软雅黑" charset="-122"/>
+                <a:latin typeface="微软雅黑" panose="020B0503020204020204" charset="-122"/>
+                <a:ea typeface="微软雅黑" panose="020B0503020204020204" charset="-122"/>
               </a:rPr>
               <a:t>.getElementById('videoIdName')</a:t>
             </a:r>
             <a:endParaRPr lang="en-US" altLang="zh-CN">
-              <a:latin typeface="微软雅黑" charset="-122"/>
-              <a:ea typeface="微软雅黑" charset="-122"/>
+              <a:latin typeface="微软雅黑" panose="020B0503020204020204" charset="-122"/>
+              <a:ea typeface="微软雅黑" panose="020B0503020204020204" charset="-122"/>
             </a:endParaRPr>
           </a:p>
           <a:p>
@@ -3544,15 +3544,15 @@
                 <a:solidFill>
                   <a:srgbClr val="FF0000"/>
                 </a:solidFill>
-                <a:latin typeface="微软雅黑" charset="-122"/>
-                <a:ea typeface="微软雅黑" charset="-122"/>
+                <a:latin typeface="微软雅黑" panose="020B0503020204020204" charset="-122"/>
+                <a:ea typeface="微软雅黑" panose="020B0503020204020204" charset="-122"/>
               </a:rPr>
               <a:t>document</a:t>
             </a:r>
             <a:r>
               <a:rPr lang="en-US" altLang="zh-CN">
-                <a:latin typeface="微软雅黑" charset="-122"/>
-                <a:ea typeface="微软雅黑" charset="-122"/>
+                <a:latin typeface="微软雅黑" panose="020B0503020204020204" charset="-122"/>
+                <a:ea typeface="微软雅黑" panose="020B0503020204020204" charset="-122"/>
               </a:rPr>
               <a:t>.getElement</a:t>
             </a:r>
@@ -3561,21 +3561,21 @@
                 <a:solidFill>
                   <a:srgbClr val="FF0000"/>
                 </a:solidFill>
-                <a:latin typeface="微软雅黑" charset="-122"/>
-                <a:ea typeface="微软雅黑" charset="-122"/>
+                <a:latin typeface="微软雅黑" panose="020B0503020204020204" charset="-122"/>
+                <a:ea typeface="微软雅黑" panose="020B0503020204020204" charset="-122"/>
               </a:rPr>
               <a:t>s</a:t>
             </a:r>
             <a:r>
               <a:rPr lang="en-US" altLang="zh-CN">
-                <a:latin typeface="微软雅黑" charset="-122"/>
-                <a:ea typeface="微软雅黑" charset="-122"/>
+                <a:latin typeface="微软雅黑" panose="020B0503020204020204" charset="-122"/>
+                <a:ea typeface="微软雅黑" panose="020B0503020204020204" charset="-122"/>
               </a:rPr>
               <a:t>ByTagName('video')</a:t>
             </a:r>
             <a:endParaRPr lang="en-US" altLang="zh-CN">
-              <a:latin typeface="微软雅黑" charset="-122"/>
-              <a:ea typeface="微软雅黑" charset="-122"/>
+              <a:latin typeface="微软雅黑" panose="020B0503020204020204" charset="-122"/>
+              <a:ea typeface="微软雅黑" panose="020B0503020204020204" charset="-122"/>
             </a:endParaRPr>
           </a:p>
           <a:p>
@@ -3584,15 +3584,15 @@
                 <a:solidFill>
                   <a:srgbClr val="FF0000"/>
                 </a:solidFill>
-                <a:latin typeface="微软雅黑" charset="-122"/>
-                <a:ea typeface="微软雅黑" charset="-122"/>
+                <a:latin typeface="微软雅黑" panose="020B0503020204020204" charset="-122"/>
+                <a:ea typeface="微软雅黑" panose="020B0503020204020204" charset="-122"/>
               </a:rPr>
               <a:t>document</a:t>
             </a:r>
             <a:r>
               <a:rPr lang="en-US" altLang="zh-CN">
-                <a:latin typeface="微软雅黑" charset="-122"/>
-                <a:ea typeface="微软雅黑" charset="-122"/>
+                <a:latin typeface="微软雅黑" panose="020B0503020204020204" charset="-122"/>
+                <a:ea typeface="微软雅黑" panose="020B0503020204020204" charset="-122"/>
               </a:rPr>
               <a:t>.getElement</a:t>
             </a:r>
@@ -3601,21 +3601,21 @@
                 <a:solidFill>
                   <a:srgbClr val="FF0000"/>
                 </a:solidFill>
-                <a:latin typeface="微软雅黑" charset="-122"/>
-                <a:ea typeface="微软雅黑" charset="-122"/>
+                <a:latin typeface="微软雅黑" panose="020B0503020204020204" charset="-122"/>
+                <a:ea typeface="微软雅黑" panose="020B0503020204020204" charset="-122"/>
               </a:rPr>
               <a:t>s</a:t>
             </a:r>
             <a:r>
               <a:rPr lang="en-US" altLang="zh-CN">
-                <a:latin typeface="微软雅黑" charset="-122"/>
-                <a:ea typeface="微软雅黑" charset="-122"/>
+                <a:latin typeface="微软雅黑" panose="020B0503020204020204" charset="-122"/>
+                <a:ea typeface="微软雅黑" panose="020B0503020204020204" charset="-122"/>
               </a:rPr>
               <a:t>ByClass('videoClassName')</a:t>
             </a:r>
             <a:endParaRPr lang="en-US" altLang="zh-CN">
-              <a:latin typeface="微软雅黑" charset="-122"/>
-              <a:ea typeface="微软雅黑" charset="-122"/>
+              <a:latin typeface="微软雅黑" panose="020B0503020204020204" charset="-122"/>
+              <a:ea typeface="微软雅黑" panose="020B0503020204020204" charset="-122"/>
             </a:endParaRPr>
           </a:p>
         </p:txBody>
@@ -3656,31 +3656,31 @@
           <a:p>
             <a:r>
               <a:rPr lang="zh-CN" altLang="en-US">
-                <a:latin typeface="微软雅黑" charset="-122"/>
-                <a:ea typeface="微软雅黑" charset="-122"/>
+                <a:latin typeface="微软雅黑" panose="020B0503020204020204" charset="-122"/>
+                <a:ea typeface="微软雅黑" panose="020B0503020204020204" charset="-122"/>
                 <a:sym typeface="+mn-ea"/>
               </a:rPr>
               <a:t>基础知识点：</a:t>
             </a:r>
             <a:r>
               <a:rPr lang="en-US" altLang="zh-CN">
-                <a:latin typeface="微软雅黑" charset="-122"/>
-                <a:ea typeface="微软雅黑" charset="-122"/>
+                <a:latin typeface="微软雅黑" panose="020B0503020204020204" charset="-122"/>
+                <a:ea typeface="微软雅黑" panose="020B0503020204020204" charset="-122"/>
                 <a:sym typeface="+mn-ea"/>
               </a:rPr>
               <a:t>video</a:t>
             </a:r>
             <a:r>
               <a:rPr lang="zh-CN" altLang="en-US">
-                <a:latin typeface="微软雅黑" charset="-122"/>
-                <a:ea typeface="微软雅黑" charset="-122"/>
+                <a:latin typeface="微软雅黑" panose="020B0503020204020204" charset="-122"/>
+                <a:ea typeface="微软雅黑" panose="020B0503020204020204" charset="-122"/>
                 <a:sym typeface="+mn-ea"/>
               </a:rPr>
               <a:t>相关属性</a:t>
             </a:r>
             <a:endParaRPr lang="zh-CN" altLang="en-US">
-              <a:latin typeface="微软雅黑" charset="-122"/>
-              <a:ea typeface="微软雅黑" charset="-122"/>
+              <a:latin typeface="微软雅黑" panose="020B0503020204020204" charset="-122"/>
+              <a:ea typeface="微软雅黑" panose="020B0503020204020204" charset="-122"/>
               <a:sym typeface="+mn-ea"/>
             </a:endParaRPr>
           </a:p>
@@ -3707,212 +3707,212 @@
           <a:p>
             <a:r>
               <a:rPr lang="en-US" altLang="zh-CN">
-                <a:latin typeface="微软雅黑" charset="-122"/>
-                <a:ea typeface="微软雅黑" charset="-122"/>
+                <a:latin typeface="微软雅黑" panose="020B0503020204020204" charset="-122"/>
+                <a:ea typeface="微软雅黑" panose="020B0503020204020204" charset="-122"/>
               </a:rPr>
               <a:t>video.paused </a:t>
             </a:r>
             <a:r>
               <a:rPr lang="zh-CN" altLang="en-US">
-                <a:latin typeface="微软雅黑" charset="-122"/>
-                <a:ea typeface="微软雅黑" charset="-122"/>
+                <a:latin typeface="微软雅黑" panose="020B0503020204020204" charset="-122"/>
+                <a:ea typeface="微软雅黑" panose="020B0503020204020204" charset="-122"/>
               </a:rPr>
               <a:t>暂停的状态</a:t>
             </a:r>
             <a:endParaRPr lang="zh-CN" altLang="en-US">
-              <a:latin typeface="微软雅黑" charset="-122"/>
-              <a:ea typeface="微软雅黑" charset="-122"/>
+              <a:latin typeface="微软雅黑" panose="020B0503020204020204" charset="-122"/>
+              <a:ea typeface="微软雅黑" panose="020B0503020204020204" charset="-122"/>
             </a:endParaRPr>
           </a:p>
           <a:p>
             <a:r>
               <a:rPr lang="en-US" altLang="zh-CN">
-                <a:latin typeface="微软雅黑" charset="-122"/>
-                <a:ea typeface="微软雅黑" charset="-122"/>
+                <a:latin typeface="微软雅黑" panose="020B0503020204020204" charset="-122"/>
+                <a:ea typeface="微软雅黑" panose="020B0503020204020204" charset="-122"/>
               </a:rPr>
               <a:t>video.ended </a:t>
             </a:r>
             <a:r>
               <a:rPr lang="zh-CN" altLang="en-US">
-                <a:latin typeface="微软雅黑" charset="-122"/>
-                <a:ea typeface="微软雅黑" charset="-122"/>
+                <a:latin typeface="微软雅黑" panose="020B0503020204020204" charset="-122"/>
+                <a:ea typeface="微软雅黑" panose="020B0503020204020204" charset="-122"/>
               </a:rPr>
               <a:t>播放完的状态</a:t>
             </a:r>
             <a:endParaRPr lang="zh-CN" altLang="en-US">
-              <a:latin typeface="微软雅黑" charset="-122"/>
-              <a:ea typeface="微软雅黑" charset="-122"/>
+              <a:latin typeface="微软雅黑" panose="020B0503020204020204" charset="-122"/>
+              <a:ea typeface="微软雅黑" panose="020B0503020204020204" charset="-122"/>
             </a:endParaRPr>
           </a:p>
           <a:p>
             <a:r>
               <a:rPr lang="en-US" altLang="zh-CN">
-                <a:latin typeface="微软雅黑" charset="-122"/>
-                <a:ea typeface="微软雅黑" charset="-122"/>
+                <a:latin typeface="微软雅黑" panose="020B0503020204020204" charset="-122"/>
+                <a:ea typeface="微软雅黑" panose="020B0503020204020204" charset="-122"/>
               </a:rPr>
               <a:t>video.currentTime </a:t>
             </a:r>
             <a:r>
               <a:rPr lang="zh-CN" altLang="en-US">
-                <a:latin typeface="微软雅黑" charset="-122"/>
-                <a:ea typeface="微软雅黑" charset="-122"/>
+                <a:latin typeface="微软雅黑" panose="020B0503020204020204" charset="-122"/>
+                <a:ea typeface="微软雅黑" panose="020B0503020204020204" charset="-122"/>
               </a:rPr>
               <a:t>当前播放的时间</a:t>
             </a:r>
             <a:endParaRPr lang="zh-CN" altLang="en-US">
-              <a:latin typeface="微软雅黑" charset="-122"/>
-              <a:ea typeface="微软雅黑" charset="-122"/>
+              <a:latin typeface="微软雅黑" panose="020B0503020204020204" charset="-122"/>
+              <a:ea typeface="微软雅黑" panose="020B0503020204020204" charset="-122"/>
             </a:endParaRPr>
           </a:p>
           <a:p>
             <a:r>
               <a:rPr lang="en-US" altLang="zh-CN">
-                <a:latin typeface="微软雅黑" charset="-122"/>
-                <a:ea typeface="微软雅黑" charset="-122"/>
+                <a:latin typeface="微软雅黑" panose="020B0503020204020204" charset="-122"/>
+                <a:ea typeface="微软雅黑" panose="020B0503020204020204" charset="-122"/>
               </a:rPr>
               <a:t>video.playbackRate </a:t>
             </a:r>
             <a:r>
               <a:rPr lang="zh-CN" altLang="en-US">
-                <a:latin typeface="微软雅黑" charset="-122"/>
-                <a:ea typeface="微软雅黑" charset="-122"/>
+                <a:latin typeface="微软雅黑" panose="020B0503020204020204" charset="-122"/>
+                <a:ea typeface="微软雅黑" panose="020B0503020204020204" charset="-122"/>
               </a:rPr>
               <a:t>视频播放速率，默认为</a:t>
             </a:r>
             <a:r>
               <a:rPr lang="en-US" altLang="zh-CN">
-                <a:latin typeface="微软雅黑" charset="-122"/>
-                <a:ea typeface="微软雅黑" charset="-122"/>
+                <a:latin typeface="微软雅黑" panose="020B0503020204020204" charset="-122"/>
+                <a:ea typeface="微软雅黑" panose="020B0503020204020204" charset="-122"/>
               </a:rPr>
               <a:t>1</a:t>
             </a:r>
             <a:r>
               <a:rPr lang="zh-CN" altLang="en-US">
-                <a:latin typeface="微软雅黑" charset="-122"/>
-                <a:ea typeface="微软雅黑" charset="-122"/>
+                <a:latin typeface="微软雅黑" panose="020B0503020204020204" charset="-122"/>
+                <a:ea typeface="微软雅黑" panose="020B0503020204020204" charset="-122"/>
               </a:rPr>
               <a:t>，设为</a:t>
             </a:r>
             <a:r>
               <a:rPr lang="en-US" altLang="zh-CN">
-                <a:latin typeface="微软雅黑" charset="-122"/>
-                <a:ea typeface="微软雅黑" charset="-122"/>
+                <a:latin typeface="微软雅黑" panose="020B0503020204020204" charset="-122"/>
+                <a:ea typeface="微软雅黑" panose="020B0503020204020204" charset="-122"/>
               </a:rPr>
               <a:t>2</a:t>
             </a:r>
             <a:r>
               <a:rPr lang="zh-CN" altLang="en-US">
-                <a:latin typeface="微软雅黑" charset="-122"/>
-                <a:ea typeface="微软雅黑" charset="-122"/>
+                <a:latin typeface="微软雅黑" panose="020B0503020204020204" charset="-122"/>
+                <a:ea typeface="微软雅黑" panose="020B0503020204020204" charset="-122"/>
               </a:rPr>
               <a:t>播放速度加倍，设为</a:t>
             </a:r>
             <a:r>
               <a:rPr lang="en-US" altLang="zh-CN">
-                <a:latin typeface="微软雅黑" charset="-122"/>
-                <a:ea typeface="微软雅黑" charset="-122"/>
+                <a:latin typeface="微软雅黑" panose="020B0503020204020204" charset="-122"/>
+                <a:ea typeface="微软雅黑" panose="020B0503020204020204" charset="-122"/>
               </a:rPr>
               <a:t>0.5</a:t>
             </a:r>
             <a:r>
               <a:rPr lang="zh-CN" altLang="en-US">
-                <a:latin typeface="微软雅黑" charset="-122"/>
-                <a:ea typeface="微软雅黑" charset="-122"/>
+                <a:latin typeface="微软雅黑" panose="020B0503020204020204" charset="-122"/>
+                <a:ea typeface="微软雅黑" panose="020B0503020204020204" charset="-122"/>
               </a:rPr>
               <a:t>播放速度减半，不要设置负值，负值不同浏览器处理不一样</a:t>
             </a:r>
             <a:endParaRPr lang="zh-CN" altLang="en-US">
-              <a:latin typeface="微软雅黑" charset="-122"/>
-              <a:ea typeface="微软雅黑" charset="-122"/>
+              <a:latin typeface="微软雅黑" panose="020B0503020204020204" charset="-122"/>
+              <a:ea typeface="微软雅黑" panose="020B0503020204020204" charset="-122"/>
             </a:endParaRPr>
           </a:p>
           <a:p>
             <a:r>
               <a:rPr lang="en-US" altLang="zh-CN">
-                <a:latin typeface="微软雅黑" charset="-122"/>
-                <a:ea typeface="微软雅黑" charset="-122"/>
+                <a:latin typeface="微软雅黑" panose="020B0503020204020204" charset="-122"/>
+                <a:ea typeface="微软雅黑" panose="020B0503020204020204" charset="-122"/>
               </a:rPr>
               <a:t>video.volume </a:t>
             </a:r>
             <a:r>
               <a:rPr lang="zh-CN" altLang="en-US">
-                <a:latin typeface="微软雅黑" charset="-122"/>
-                <a:ea typeface="微软雅黑" charset="-122"/>
+                <a:latin typeface="微软雅黑" panose="020B0503020204020204" charset="-122"/>
+                <a:ea typeface="微软雅黑" panose="020B0503020204020204" charset="-122"/>
               </a:rPr>
               <a:t>视频音量，取值</a:t>
             </a:r>
             <a:r>
               <a:rPr lang="en-US" altLang="zh-CN">
-                <a:latin typeface="微软雅黑" charset="-122"/>
-                <a:ea typeface="微软雅黑" charset="-122"/>
+                <a:latin typeface="微软雅黑" panose="020B0503020204020204" charset="-122"/>
+                <a:ea typeface="微软雅黑" panose="020B0503020204020204" charset="-122"/>
               </a:rPr>
               <a:t>0</a:t>
             </a:r>
             <a:r>
               <a:rPr lang="zh-CN" altLang="en-US">
-                <a:latin typeface="微软雅黑" charset="-122"/>
-                <a:ea typeface="微软雅黑" charset="-122"/>
+                <a:latin typeface="微软雅黑" panose="020B0503020204020204" charset="-122"/>
+                <a:ea typeface="微软雅黑" panose="020B0503020204020204" charset="-122"/>
               </a:rPr>
               <a:t>到</a:t>
             </a:r>
             <a:r>
               <a:rPr lang="en-US" altLang="zh-CN">
-                <a:latin typeface="微软雅黑" charset="-122"/>
-                <a:ea typeface="微软雅黑" charset="-122"/>
+                <a:latin typeface="微软雅黑" panose="020B0503020204020204" charset="-122"/>
+                <a:ea typeface="微软雅黑" panose="020B0503020204020204" charset="-122"/>
               </a:rPr>
               <a:t>1</a:t>
             </a:r>
             <a:r>
               <a:rPr lang="zh-CN" altLang="en-US">
-                <a:latin typeface="微软雅黑" charset="-122"/>
-                <a:ea typeface="微软雅黑" charset="-122"/>
+                <a:latin typeface="微软雅黑" panose="020B0503020204020204" charset="-122"/>
+                <a:ea typeface="微软雅黑" panose="020B0503020204020204" charset="-122"/>
               </a:rPr>
               <a:t>之间</a:t>
             </a:r>
             <a:endParaRPr lang="zh-CN" altLang="en-US">
-              <a:latin typeface="微软雅黑" charset="-122"/>
-              <a:ea typeface="微软雅黑" charset="-122"/>
+              <a:latin typeface="微软雅黑" panose="020B0503020204020204" charset="-122"/>
+              <a:ea typeface="微软雅黑" panose="020B0503020204020204" charset="-122"/>
             </a:endParaRPr>
           </a:p>
           <a:p>
             <a:r>
               <a:rPr lang="en-US" altLang="zh-CN">
-                <a:latin typeface="微软雅黑" charset="-122"/>
-                <a:ea typeface="微软雅黑" charset="-122"/>
+                <a:latin typeface="微软雅黑" panose="020B0503020204020204" charset="-122"/>
+                <a:ea typeface="微软雅黑" panose="020B0503020204020204" charset="-122"/>
               </a:rPr>
               <a:t>video.muted </a:t>
             </a:r>
             <a:r>
               <a:rPr lang="zh-CN" altLang="en-US">
-                <a:latin typeface="微软雅黑" charset="-122"/>
-                <a:ea typeface="微软雅黑" charset="-122"/>
+                <a:latin typeface="微软雅黑" panose="020B0503020204020204" charset="-122"/>
+                <a:ea typeface="微软雅黑" panose="020B0503020204020204" charset="-122"/>
               </a:rPr>
               <a:t>禁音状态，取值为</a:t>
             </a:r>
             <a:r>
               <a:rPr lang="en-US" altLang="zh-CN">
-                <a:latin typeface="微软雅黑" charset="-122"/>
-                <a:ea typeface="微软雅黑" charset="-122"/>
+                <a:latin typeface="微软雅黑" panose="020B0503020204020204" charset="-122"/>
+                <a:ea typeface="微软雅黑" panose="020B0503020204020204" charset="-122"/>
               </a:rPr>
               <a:t>ture</a:t>
             </a:r>
             <a:r>
               <a:rPr lang="zh-CN" altLang="en-US">
-                <a:latin typeface="微软雅黑" charset="-122"/>
-                <a:ea typeface="微软雅黑" charset="-122"/>
+                <a:latin typeface="微软雅黑" panose="020B0503020204020204" charset="-122"/>
+                <a:ea typeface="微软雅黑" panose="020B0503020204020204" charset="-122"/>
               </a:rPr>
               <a:t>或者</a:t>
             </a:r>
             <a:r>
               <a:rPr lang="en-US" altLang="zh-CN">
-                <a:latin typeface="微软雅黑" charset="-122"/>
-                <a:ea typeface="微软雅黑" charset="-122"/>
+                <a:latin typeface="微软雅黑" panose="020B0503020204020204" charset="-122"/>
+                <a:ea typeface="微软雅黑" panose="020B0503020204020204" charset="-122"/>
               </a:rPr>
               <a:t>false</a:t>
             </a:r>
             <a:endParaRPr lang="en-US" altLang="zh-CN">
-              <a:latin typeface="微软雅黑" charset="-122"/>
-              <a:ea typeface="微软雅黑" charset="-122"/>
+              <a:latin typeface="微软雅黑" panose="020B0503020204020204" charset="-122"/>
+              <a:ea typeface="微软雅黑" panose="020B0503020204020204" charset="-122"/>
             </a:endParaRPr>
           </a:p>
         </p:txBody>
@@ -3951,31 +3951,31 @@
           <a:p>
             <a:r>
               <a:rPr lang="zh-CN" altLang="en-US">
-                <a:latin typeface="微软雅黑" charset="-122"/>
-                <a:ea typeface="微软雅黑" charset="-122"/>
+                <a:latin typeface="微软雅黑" panose="020B0503020204020204" charset="-122"/>
+                <a:ea typeface="微软雅黑" panose="020B0503020204020204" charset="-122"/>
                 <a:sym typeface="+mn-ea"/>
               </a:rPr>
               <a:t>基础知识点：</a:t>
             </a:r>
             <a:r>
               <a:rPr lang="en-US" altLang="zh-CN">
-                <a:latin typeface="微软雅黑" charset="-122"/>
-                <a:ea typeface="微软雅黑" charset="-122"/>
+                <a:latin typeface="微软雅黑" panose="020B0503020204020204" charset="-122"/>
+                <a:ea typeface="微软雅黑" panose="020B0503020204020204" charset="-122"/>
                 <a:sym typeface="+mn-ea"/>
               </a:rPr>
               <a:t>video</a:t>
             </a:r>
             <a:r>
               <a:rPr lang="zh-CN" altLang="en-US">
-                <a:latin typeface="微软雅黑" charset="-122"/>
-                <a:ea typeface="微软雅黑" charset="-122"/>
+                <a:latin typeface="微软雅黑" panose="020B0503020204020204" charset="-122"/>
+                <a:ea typeface="微软雅黑" panose="020B0503020204020204" charset="-122"/>
                 <a:sym typeface="+mn-ea"/>
               </a:rPr>
               <a:t>的方法</a:t>
             </a:r>
             <a:endParaRPr lang="zh-CN" altLang="en-US">
-              <a:latin typeface="微软雅黑" charset="-122"/>
-              <a:ea typeface="微软雅黑" charset="-122"/>
+              <a:latin typeface="微软雅黑" panose="020B0503020204020204" charset="-122"/>
+              <a:ea typeface="微软雅黑" panose="020B0503020204020204" charset="-122"/>
               <a:sym typeface="+mn-ea"/>
             </a:endParaRPr>
           </a:p>
@@ -4005,8 +4005,8 @@
                 <a:solidFill>
                   <a:srgbClr val="FF0000"/>
                 </a:solidFill>
-                <a:latin typeface="微软雅黑" charset="-122"/>
-                <a:ea typeface="微软雅黑" charset="-122"/>
+                <a:latin typeface="微软雅黑" panose="020B0503020204020204" charset="-122"/>
+                <a:ea typeface="微软雅黑" panose="020B0503020204020204" charset="-122"/>
               </a:rPr>
               <a:t>video.play() </a:t>
             </a:r>
@@ -4015,8 +4015,8 @@
                 <a:solidFill>
                   <a:srgbClr val="FF0000"/>
                 </a:solidFill>
-                <a:latin typeface="微软雅黑" charset="-122"/>
-                <a:ea typeface="微软雅黑" charset="-122"/>
+                <a:latin typeface="微软雅黑" panose="020B0503020204020204" charset="-122"/>
+                <a:ea typeface="微软雅黑" panose="020B0503020204020204" charset="-122"/>
               </a:rPr>
               <a:t>播放视频</a:t>
             </a:r>
@@ -4024,8 +4024,8 @@
               <a:solidFill>
                 <a:srgbClr val="FF0000"/>
               </a:solidFill>
-              <a:latin typeface="微软雅黑" charset="-122"/>
-              <a:ea typeface="微软雅黑" charset="-122"/>
+              <a:latin typeface="微软雅黑" panose="020B0503020204020204" charset="-122"/>
+              <a:ea typeface="微软雅黑" panose="020B0503020204020204" charset="-122"/>
             </a:endParaRPr>
           </a:p>
           <a:p>
@@ -4034,8 +4034,8 @@
                 <a:solidFill>
                   <a:srgbClr val="FF0000"/>
                 </a:solidFill>
-                <a:latin typeface="微软雅黑" charset="-122"/>
-                <a:ea typeface="微软雅黑" charset="-122"/>
+                <a:latin typeface="微软雅黑" panose="020B0503020204020204" charset="-122"/>
+                <a:ea typeface="微软雅黑" panose="020B0503020204020204" charset="-122"/>
               </a:rPr>
               <a:t>video.pause() </a:t>
             </a:r>
@@ -4044,8 +4044,8 @@
                 <a:solidFill>
                   <a:srgbClr val="FF0000"/>
                 </a:solidFill>
-                <a:latin typeface="微软雅黑" charset="-122"/>
-                <a:ea typeface="微软雅黑" charset="-122"/>
+                <a:latin typeface="微软雅黑" panose="020B0503020204020204" charset="-122"/>
+                <a:ea typeface="微软雅黑" panose="020B0503020204020204" charset="-122"/>
               </a:rPr>
               <a:t>暂停播放</a:t>
             </a:r>
@@ -4053,8 +4053,20 @@
               <a:solidFill>
                 <a:srgbClr val="FF0000"/>
               </a:solidFill>
-              <a:latin typeface="微软雅黑" charset="-122"/>
-              <a:ea typeface="微软雅黑" charset="-122"/>
+              <a:latin typeface="微软雅黑" panose="020B0503020204020204" charset="-122"/>
+              <a:ea typeface="微软雅黑" panose="020B0503020204020204" charset="-122"/>
+            </a:endParaRPr>
+          </a:p>
+          <a:p>
+            <a:pPr marL="0" indent="0">
+              <a:buNone/>
+            </a:pPr>
+            <a:endParaRPr lang="en-US" altLang="zh-CN">
+              <a:solidFill>
+                <a:srgbClr val="FF0000"/>
+              </a:solidFill>
+              <a:latin typeface="微软雅黑" panose="020B0503020204020204" charset="-122"/>
+              <a:ea typeface="微软雅黑" panose="020B0503020204020204" charset="-122"/>
             </a:endParaRPr>
           </a:p>
         </p:txBody>
@@ -4318,8 +4330,6 @@
       </a:bgFillStyleLst>
     </a:fmtScheme>
   </a:themeElements>
-  <a:objectDefaults/>
-  <a:extraClrSchemeLst/>
   <a:extLst>
     <a:ext uri="{05A4C25C-085E-4340-85A3-A5531E510DB2}">
       <thm15:themeFamily xmlns:thm15="http://schemas.microsoft.com/office/thememl/2012/main" name="Office Theme" id="{62F939B6-93AF-4DB8-9C6B-D6C7DFDC589F}" vid="{4A3C46E8-61CC-4603-A589-7422A47A8E4A}"/>
@@ -4579,8 +4589,6 @@
       </a:bgFillStyleLst>
     </a:fmtScheme>
   </a:themeElements>
-  <a:objectDefaults/>
-  <a:extraClrSchemeLst/>
   <a:extLst>
     <a:ext uri="{05A4C25C-085E-4340-85A3-A5531E510DB2}">
       <thm15:themeFamily xmlns:thm15="http://schemas.microsoft.com/office/thememl/2012/main" name="Office Theme" id="{62F939B6-93AF-4DB8-9C6B-D6C7DFDC589F}" vid="{4A3C46E8-61CC-4603-A589-7422A47A8E4A}"/>

--- a/task/lesson4/通过案例学javascript编程4.pptx
+++ b/task/lesson4/通过案例学javascript编程4.pptx
@@ -3112,7 +3112,7 @@
                 <a:latin typeface="微软雅黑" panose="020B0503020204020204" charset="-122"/>
                 <a:ea typeface="微软雅黑" panose="020B0503020204020204" charset="-122"/>
               </a:rPr>
-              <a:t>3</a:t>
+              <a:t>4</a:t>
             </a:r>
             <a:r>
               <a:rPr lang="zh-CN" altLang="en-US">
